--- a/Seccion 3 Distribución multivariante/Diapositivas/3.3 Distancia Euclidea.pptx
+++ b/Seccion 3 Distribución multivariante/Diapositivas/3.3 Distancia Euclidea.pptx
@@ -2060,7 +2060,7 @@
             <a:fld id="{B61BEF0D-F0BB-DE4B-95CE-6DB70DBA9567}" type="datetimeFigureOut">
               <a:rPr lang="en-US" dirty="0"/>
               <a:pPr/>
-              <a:t>12/19/2019</a:t>
+              <a:t>12/20/2019</a:t>
             </a:fld>
             <a:endParaRPr lang="en-US" dirty="0"/>
           </a:p>
@@ -2308,7 +2308,7 @@
             <a:fld id="{B61BEF0D-F0BB-DE4B-95CE-6DB70DBA9567}" type="datetimeFigureOut">
               <a:rPr lang="en-US" dirty="0"/>
               <a:pPr/>
-              <a:t>12/19/2019</a:t>
+              <a:t>12/20/2019</a:t>
             </a:fld>
             <a:endParaRPr lang="en-US" dirty="0"/>
           </a:p>
@@ -2619,7 +2619,7 @@
             <a:fld id="{B61BEF0D-F0BB-DE4B-95CE-6DB70DBA9567}" type="datetimeFigureOut">
               <a:rPr lang="en-US" dirty="0"/>
               <a:pPr/>
-              <a:t>12/19/2019</a:t>
+              <a:t>12/20/2019</a:t>
             </a:fld>
             <a:endParaRPr lang="en-US" dirty="0"/>
           </a:p>
@@ -2943,7 +2943,7 @@
             <a:fld id="{B61BEF0D-F0BB-DE4B-95CE-6DB70DBA9567}" type="datetimeFigureOut">
               <a:rPr lang="en-US" dirty="0"/>
               <a:pPr/>
-              <a:t>12/19/2019</a:t>
+              <a:t>12/20/2019</a:t>
             </a:fld>
             <a:endParaRPr lang="en-US" dirty="0"/>
           </a:p>
@@ -3254,7 +3254,7 @@
             <a:fld id="{B61BEF0D-F0BB-DE4B-95CE-6DB70DBA9567}" type="datetimeFigureOut">
               <a:rPr lang="en-US" dirty="0"/>
               <a:pPr/>
-              <a:t>12/19/2019</a:t>
+              <a:t>12/20/2019</a:t>
             </a:fld>
             <a:endParaRPr lang="en-US" dirty="0"/>
           </a:p>
@@ -3638,7 +3638,7 @@
             <a:fld id="{B61BEF0D-F0BB-DE4B-95CE-6DB70DBA9567}" type="datetimeFigureOut">
               <a:rPr lang="en-US" dirty="0"/>
               <a:pPr/>
-              <a:t>12/19/2019</a:t>
+              <a:t>12/20/2019</a:t>
             </a:fld>
             <a:endParaRPr lang="en-US" dirty="0"/>
           </a:p>
@@ -3804,7 +3804,7 @@
           <a:p>
             <a:fld id="{55C6B4A9-1611-4792-9094-5F34BCA07E0B}" type="datetimeFigureOut">
               <a:rPr lang="en-US" dirty="0"/>
-              <a:t>12/19/2019</a:t>
+              <a:t>12/20/2019</a:t>
             </a:fld>
             <a:endParaRPr lang="en-US" dirty="0"/>
           </a:p>
@@ -3980,7 +3980,7 @@
             <a:fld id="{B61BEF0D-F0BB-DE4B-95CE-6DB70DBA9567}" type="datetimeFigureOut">
               <a:rPr lang="en-US" dirty="0"/>
               <a:pPr/>
-              <a:t>12/19/2019</a:t>
+              <a:t>12/20/2019</a:t>
             </a:fld>
             <a:endParaRPr lang="en-US" dirty="0"/>
           </a:p>
@@ -4185,7 +4185,7 @@
             <a:fld id="{B61BEF0D-F0BB-DE4B-95CE-6DB70DBA9567}" type="datetimeFigureOut">
               <a:rPr lang="en-US" smtClean="0"/>
               <a:pPr/>
-              <a:t>12/19/2019</a:t>
+              <a:t>12/20/2019</a:t>
             </a:fld>
             <a:endParaRPr lang="en-US" dirty="0"/>
           </a:p>
@@ -4385,7 +4385,7 @@
             <a:fld id="{B61BEF0D-F0BB-DE4B-95CE-6DB70DBA9567}" type="datetimeFigureOut">
               <a:rPr lang="en-US" smtClean="0"/>
               <a:pPr/>
-              <a:t>12/19/2019</a:t>
+              <a:t>12/20/2019</a:t>
             </a:fld>
             <a:endParaRPr lang="en-US" dirty="0"/>
           </a:p>
@@ -4662,7 +4662,7 @@
             <a:fld id="{B61BEF0D-F0BB-DE4B-95CE-6DB70DBA9567}" type="datetimeFigureOut">
               <a:rPr lang="en-US" smtClean="0"/>
               <a:pPr/>
-              <a:t>12/19/2019</a:t>
+              <a:t>12/20/2019</a:t>
             </a:fld>
             <a:endParaRPr lang="en-US" dirty="0"/>
           </a:p>
@@ -4852,7 +4852,7 @@
             <a:fld id="{B61BEF0D-F0BB-DE4B-95CE-6DB70DBA9567}" type="datetimeFigureOut">
               <a:rPr lang="en-US" dirty="0"/>
               <a:pPr/>
-              <a:t>12/19/2019</a:t>
+              <a:t>12/20/2019</a:t>
             </a:fld>
             <a:endParaRPr lang="en-US" dirty="0"/>
           </a:p>
@@ -5101,7 +5101,7 @@
           <a:p>
             <a:fld id="{EB712588-04B1-427B-82EE-E8DB90309F08}" type="datetimeFigureOut">
               <a:rPr lang="en-US" smtClean="0"/>
-              <a:t>12/19/2019</a:t>
+              <a:t>12/20/2019</a:t>
             </a:fld>
             <a:endParaRPr lang="en-US" dirty="0"/>
           </a:p>
@@ -5514,7 +5514,7 @@
             <a:fld id="{B61BEF0D-F0BB-DE4B-95CE-6DB70DBA9567}" type="datetimeFigureOut">
               <a:rPr lang="en-US" smtClean="0"/>
               <a:pPr/>
-              <a:t>12/19/2019</a:t>
+              <a:t>12/20/2019</a:t>
             </a:fld>
             <a:endParaRPr lang="en-US" dirty="0"/>
           </a:p>
@@ -5657,7 +5657,7 @@
             <a:fld id="{B61BEF0D-F0BB-DE4B-95CE-6DB70DBA9567}" type="datetimeFigureOut">
               <a:rPr lang="en-US" smtClean="0"/>
               <a:pPr/>
-              <a:t>12/19/2019</a:t>
+              <a:t>12/20/2019</a:t>
             </a:fld>
             <a:endParaRPr lang="en-US" dirty="0"/>
           </a:p>
@@ -5772,7 +5772,7 @@
             <a:fld id="{B61BEF0D-F0BB-DE4B-95CE-6DB70DBA9567}" type="datetimeFigureOut">
               <a:rPr lang="en-US" smtClean="0"/>
               <a:pPr/>
-              <a:t>12/19/2019</a:t>
+              <a:t>12/20/2019</a:t>
             </a:fld>
             <a:endParaRPr lang="en-US" dirty="0"/>
           </a:p>
@@ -6084,7 +6084,7 @@
           <a:p>
             <a:fld id="{42A54C80-263E-416B-A8E0-580EDEADCBDC}" type="datetimeFigureOut">
               <a:rPr lang="en-US" smtClean="0"/>
-              <a:t>12/19/2019</a:t>
+              <a:t>12/20/2019</a:t>
             </a:fld>
             <a:endParaRPr lang="en-US" dirty="0"/>
           </a:p>
@@ -6373,7 +6373,7 @@
             <a:fld id="{B61BEF0D-F0BB-DE4B-95CE-6DB70DBA9567}" type="datetimeFigureOut">
               <a:rPr lang="en-US" smtClean="0"/>
               <a:pPr/>
-              <a:t>12/19/2019</a:t>
+              <a:t>12/20/2019</a:t>
             </a:fld>
             <a:endParaRPr lang="en-US" dirty="0"/>
           </a:p>
@@ -6572,7 +6572,7 @@
           <a:p>
             <a:fld id="{55C6B4A9-1611-4792-9094-5F34BCA07E0B}" type="datetimeFigureOut">
               <a:rPr lang="en-US" smtClean="0"/>
-              <a:t>12/19/2019</a:t>
+              <a:t>12/20/2019</a:t>
             </a:fld>
             <a:endParaRPr lang="en-US" dirty="0"/>
           </a:p>
@@ -6781,7 +6781,7 @@
             <a:fld id="{B61BEF0D-F0BB-DE4B-95CE-6DB70DBA9567}" type="datetimeFigureOut">
               <a:rPr lang="en-US" smtClean="0"/>
               <a:pPr/>
-              <a:t>12/19/2019</a:t>
+              <a:t>12/20/2019</a:t>
             </a:fld>
             <a:endParaRPr lang="en-US" dirty="0"/>
           </a:p>
@@ -7042,7 +7042,7 @@
             <a:fld id="{B61BEF0D-F0BB-DE4B-95CE-6DB70DBA9567}" type="datetimeFigureOut">
               <a:rPr lang="en-US" dirty="0"/>
               <a:pPr/>
-              <a:t>12/19/2019</a:t>
+              <a:t>12/20/2019</a:t>
             </a:fld>
             <a:endParaRPr lang="en-US" dirty="0"/>
           </a:p>
@@ -7270,7 +7270,7 @@
           <a:p>
             <a:fld id="{EB712588-04B1-427B-82EE-E8DB90309F08}" type="datetimeFigureOut">
               <a:rPr lang="en-US" dirty="0"/>
-              <a:t>12/19/2019</a:t>
+              <a:t>12/20/2019</a:t>
             </a:fld>
             <a:endParaRPr lang="en-US" dirty="0"/>
           </a:p>
@@ -7640,7 +7640,7 @@
             <a:fld id="{B61BEF0D-F0BB-DE4B-95CE-6DB70DBA9567}" type="datetimeFigureOut">
               <a:rPr lang="en-US" dirty="0"/>
               <a:pPr/>
-              <a:t>12/19/2019</a:t>
+              <a:t>12/20/2019</a:t>
             </a:fld>
             <a:endParaRPr lang="en-US" dirty="0"/>
           </a:p>
@@ -7760,7 +7760,7 @@
             <a:fld id="{B61BEF0D-F0BB-DE4B-95CE-6DB70DBA9567}" type="datetimeFigureOut">
               <a:rPr lang="en-US" dirty="0"/>
               <a:pPr/>
-              <a:t>12/19/2019</a:t>
+              <a:t>12/20/2019</a:t>
             </a:fld>
             <a:endParaRPr lang="en-US" dirty="0"/>
           </a:p>
@@ -7852,7 +7852,7 @@
             <a:fld id="{B61BEF0D-F0BB-DE4B-95CE-6DB70DBA9567}" type="datetimeFigureOut">
               <a:rPr lang="en-US" dirty="0"/>
               <a:pPr/>
-              <a:t>12/19/2019</a:t>
+              <a:t>12/20/2019</a:t>
             </a:fld>
             <a:endParaRPr lang="en-US" dirty="0"/>
           </a:p>
@@ -8103,7 +8103,7 @@
           <a:p>
             <a:fld id="{42A54C80-263E-416B-A8E0-580EDEADCBDC}" type="datetimeFigureOut">
               <a:rPr lang="en-US" dirty="0"/>
-              <a:t>12/19/2019</a:t>
+              <a:t>12/20/2019</a:t>
             </a:fld>
             <a:endParaRPr lang="en-US" dirty="0"/>
           </a:p>
@@ -8362,7 +8362,7 @@
             <a:fld id="{B61BEF0D-F0BB-DE4B-95CE-6DB70DBA9567}" type="datetimeFigureOut">
               <a:rPr lang="en-US" dirty="0"/>
               <a:pPr/>
-              <a:t>12/19/2019</a:t>
+              <a:t>12/20/2019</a:t>
             </a:fld>
             <a:endParaRPr lang="en-US" dirty="0"/>
           </a:p>
@@ -9104,7 +9104,7 @@
             <a:fld id="{B61BEF0D-F0BB-DE4B-95CE-6DB70DBA9567}" type="datetimeFigureOut">
               <a:rPr lang="en-US" dirty="0"/>
               <a:pPr/>
-              <a:t>12/19/2019</a:t>
+              <a:t>12/20/2019</a:t>
             </a:fld>
             <a:endParaRPr lang="en-US" dirty="0"/>
           </a:p>
@@ -9776,7 +9776,7 @@
             <a:fld id="{B61BEF0D-F0BB-DE4B-95CE-6DB70DBA9567}" type="datetimeFigureOut">
               <a:rPr lang="en-US" smtClean="0"/>
               <a:pPr/>
-              <a:t>12/19/2019</a:t>
+              <a:t>12/20/2019</a:t>
             </a:fld>
             <a:endParaRPr lang="en-US" dirty="0"/>
           </a:p>
@@ -12743,8 +12743,8 @@
           </a:p>
         </p:txBody>
       </p:sp>
-      <mc:AlternateContent xmlns:mc="http://schemas.openxmlformats.org/markup-compatibility/2006" xmlns:a14="http://schemas.microsoft.com/office/drawing/2010/main">
-        <mc:Choice Requires="a14">
+      <mc:AlternateContent xmlns:mc="http://schemas.openxmlformats.org/markup-compatibility/2006">
+        <mc:Choice xmlns:a14="http://schemas.microsoft.com/office/drawing/2010/main" Requires="a14">
           <p:sp>
             <p:nvSpPr>
               <p:cNvPr id="3" name="Marcador de contenido 2"/>
@@ -12876,14 +12876,13 @@
                 </a:pPr>
                 <a:r>
                   <a:rPr lang="es-ES" dirty="0"/>
-                  <a:t>En las aplicaciones de las Estadísticas Multivariadas, las personas, las marcas, los negocios, etc. se caracterizan por vectores de medición.
-</a:t>
+                  <a:t>En las aplicaciones de las Estadísticas Multivariadas, las personas, las marcas, los negocios, etc. se caracterizan por vectores de medición.</a:t>
                 </a:r>
               </a:p>
             </p:txBody>
           </p:sp>
         </mc:Choice>
-        <mc:Fallback xmlns="">
+        <mc:Fallback>
           <p:sp>
             <p:nvSpPr>
               <p:cNvPr id="3" name="Marcador de contenido 2"/>
@@ -13012,8 +13011,8 @@
           </a:p>
         </p:txBody>
       </p:sp>
-      <mc:AlternateContent xmlns:mc="http://schemas.openxmlformats.org/markup-compatibility/2006" xmlns:a14="http://schemas.microsoft.com/office/drawing/2010/main">
-        <mc:Choice Requires="a14">
+      <mc:AlternateContent xmlns:mc="http://schemas.openxmlformats.org/markup-compatibility/2006">
+        <mc:Choice xmlns:a14="http://schemas.microsoft.com/office/drawing/2010/main" Requires="a14">
           <p:sp>
             <p:nvSpPr>
               <p:cNvPr id="3" name="Marcador de contenido 2"/>
@@ -13045,25 +13044,25 @@
                     <m:sSub>
                       <m:sSubPr>
                         <m:ctrlPr>
-                          <a:rPr lang="es-ES" b="0" i="1" dirty="0" smtClean="0">
+                          <a:rPr lang="es-ES" b="1" i="1" dirty="0" smtClean="0">
                             <a:latin typeface="Cambria Math" panose="02040503050406030204" pitchFamily="18" charset="0"/>
                           </a:rPr>
                         </m:ctrlPr>
                       </m:sSubPr>
                       <m:e>
                         <m:r>
-                          <a:rPr lang="es-ES" i="1" dirty="0" smtClean="0">
+                          <a:rPr lang="es-ES" b="1" i="0" dirty="0" smtClean="0">
                             <a:latin typeface="Cambria Math" panose="02040503050406030204" pitchFamily="18" charset="0"/>
                           </a:rPr>
-                          <m:t>𝑥</m:t>
+                          <m:t>𝐱</m:t>
                         </m:r>
                       </m:e>
                       <m:sub>
                         <m:r>
-                          <a:rPr lang="es-ES" i="1" dirty="0" smtClean="0">
+                          <a:rPr lang="es-ES" b="1" i="1" dirty="0" smtClean="0">
                             <a:latin typeface="Cambria Math" panose="02040503050406030204" pitchFamily="18" charset="0"/>
                           </a:rPr>
-                          <m:t>1</m:t>
+                          <m:t>𝟏</m:t>
                         </m:r>
                       </m:sub>
                     </m:sSub>
@@ -13078,25 +13077,25 @@
                     <m:sSub>
                       <m:sSubPr>
                         <m:ctrlPr>
-                          <a:rPr lang="es-ES" i="1" dirty="0">
+                          <a:rPr lang="es-ES" b="1" dirty="0">
                             <a:latin typeface="Cambria Math" panose="02040503050406030204" pitchFamily="18" charset="0"/>
                           </a:rPr>
                         </m:ctrlPr>
                       </m:sSubPr>
                       <m:e>
                         <m:r>
-                          <a:rPr lang="es-ES" i="1" dirty="0">
+                          <a:rPr lang="es-ES" b="1" i="0" dirty="0">
                             <a:latin typeface="Cambria Math" panose="02040503050406030204" pitchFamily="18" charset="0"/>
                           </a:rPr>
-                          <m:t>𝑥</m:t>
+                          <m:t>𝐱</m:t>
                         </m:r>
                       </m:e>
                       <m:sub>
                         <m:r>
-                          <a:rPr lang="es-ES" b="0" i="1" dirty="0" smtClean="0">
+                          <a:rPr lang="es-ES" b="1" i="0" dirty="0" smtClean="0">
                             <a:latin typeface="Cambria Math" panose="02040503050406030204" pitchFamily="18" charset="0"/>
                           </a:rPr>
-                          <m:t>2</m:t>
+                          <m:t>𝟐</m:t>
                         </m:r>
                       </m:sub>
                     </m:sSub>
@@ -13111,25 +13110,25 @@
                     <m:sSub>
                       <m:sSubPr>
                         <m:ctrlPr>
-                          <a:rPr lang="es-ES" i="1" dirty="0">
+                          <a:rPr lang="es-ES" b="1" dirty="0">
                             <a:latin typeface="Cambria Math" panose="02040503050406030204" pitchFamily="18" charset="0"/>
                           </a:rPr>
                         </m:ctrlPr>
                       </m:sSubPr>
                       <m:e>
                         <m:r>
-                          <a:rPr lang="es-ES" i="1" dirty="0">
+                          <a:rPr lang="es-ES" b="1" i="0" dirty="0">
                             <a:latin typeface="Cambria Math" panose="02040503050406030204" pitchFamily="18" charset="0"/>
                           </a:rPr>
-                          <m:t>𝑥</m:t>
+                          <m:t>𝐱</m:t>
                         </m:r>
                       </m:e>
                       <m:sub>
                         <m:r>
-                          <a:rPr lang="es-ES" b="0" i="1" dirty="0" smtClean="0">
+                          <a:rPr lang="es-ES" b="1" i="0" dirty="0" smtClean="0">
                             <a:latin typeface="Cambria Math" panose="02040503050406030204" pitchFamily="18" charset="0"/>
                           </a:rPr>
-                          <m:t>3</m:t>
+                          <m:t>𝟑</m:t>
                         </m:r>
                       </m:sub>
                     </m:sSub>
@@ -13144,25 +13143,25 @@
                     <m:sSub>
                       <m:sSubPr>
                         <m:ctrlPr>
-                          <a:rPr lang="es-ES" i="1" dirty="0">
+                          <a:rPr lang="es-ES" b="1" dirty="0">
                             <a:latin typeface="Cambria Math" panose="02040503050406030204" pitchFamily="18" charset="0"/>
                           </a:rPr>
                         </m:ctrlPr>
                       </m:sSubPr>
                       <m:e>
                         <m:r>
-                          <a:rPr lang="es-ES" i="1" dirty="0">
+                          <a:rPr lang="es-ES" b="1" i="0" dirty="0">
                             <a:latin typeface="Cambria Math" panose="02040503050406030204" pitchFamily="18" charset="0"/>
                           </a:rPr>
-                          <m:t>𝑥</m:t>
+                          <m:t>𝐱</m:t>
                         </m:r>
                       </m:e>
                       <m:sub>
                         <m:r>
-                          <a:rPr lang="es-ES" b="0" i="1" dirty="0" smtClean="0">
+                          <a:rPr lang="es-ES" b="1" i="0" dirty="0" smtClean="0">
                             <a:latin typeface="Cambria Math" panose="02040503050406030204" pitchFamily="18" charset="0"/>
                           </a:rPr>
-                          <m:t>4</m:t>
+                          <m:t>𝟒</m:t>
                         </m:r>
                       </m:sub>
                     </m:sSub>
@@ -13177,25 +13176,25 @@
                     <m:sSub>
                       <m:sSubPr>
                         <m:ctrlPr>
-                          <a:rPr lang="es-ES" i="1" dirty="0">
+                          <a:rPr lang="es-ES" b="1" dirty="0">
                             <a:latin typeface="Cambria Math" panose="02040503050406030204" pitchFamily="18" charset="0"/>
                           </a:rPr>
                         </m:ctrlPr>
                       </m:sSubPr>
                       <m:e>
                         <m:r>
-                          <a:rPr lang="es-ES" i="1" dirty="0">
+                          <a:rPr lang="es-ES" b="1" i="0" dirty="0">
                             <a:latin typeface="Cambria Math" panose="02040503050406030204" pitchFamily="18" charset="0"/>
                           </a:rPr>
-                          <m:t>𝑥</m:t>
+                          <m:t>𝐱</m:t>
                         </m:r>
                       </m:e>
                       <m:sub>
                         <m:r>
-                          <a:rPr lang="es-ES" b="0" i="1" dirty="0" smtClean="0">
+                          <a:rPr lang="es-ES" b="1" i="0" dirty="0" smtClean="0">
                             <a:latin typeface="Cambria Math" panose="02040503050406030204" pitchFamily="18" charset="0"/>
                           </a:rPr>
-                          <m:t>5</m:t>
+                          <m:t>𝟓</m:t>
                         </m:r>
                       </m:sub>
                     </m:sSub>
@@ -13210,25 +13209,25 @@
                     <m:sSub>
                       <m:sSubPr>
                         <m:ctrlPr>
-                          <a:rPr lang="es-ES" i="1" dirty="0">
+                          <a:rPr lang="es-ES" b="1" dirty="0">
                             <a:latin typeface="Cambria Math" panose="02040503050406030204" pitchFamily="18" charset="0"/>
                           </a:rPr>
                         </m:ctrlPr>
                       </m:sSubPr>
                       <m:e>
                         <m:r>
-                          <a:rPr lang="es-ES" i="1" dirty="0">
+                          <a:rPr lang="es-ES" b="1" i="0" dirty="0">
                             <a:latin typeface="Cambria Math" panose="02040503050406030204" pitchFamily="18" charset="0"/>
                           </a:rPr>
-                          <m:t>𝑥</m:t>
+                          <m:t>𝐱</m:t>
                         </m:r>
                       </m:e>
                       <m:sub>
                         <m:r>
-                          <a:rPr lang="es-ES" b="0" i="1" dirty="0" smtClean="0">
+                          <a:rPr lang="es-ES" b="1" i="0" dirty="0" smtClean="0">
                             <a:latin typeface="Cambria Math" panose="02040503050406030204" pitchFamily="18" charset="0"/>
                           </a:rPr>
-                          <m:t>6</m:t>
+                          <m:t>𝟔</m:t>
                         </m:r>
                       </m:sub>
                     </m:sSub>
@@ -13308,14 +13307,13 @@
                 </a:pPr>
                 <a:r>
                   <a:rPr lang="es-ES" dirty="0"/>
-                  <a:t>Estas variables se miden en diferentes escalas (metros, años, escalas nominales, kilogramos, etc.)
-</a:t>
+                  <a:t>Estas variables se miden en diferentes escalas (metros, años, escalas nominales, kilogramos, etc.</a:t>
                 </a:r>
               </a:p>
             </p:txBody>
           </p:sp>
         </mc:Choice>
-        <mc:Fallback xmlns="">
+        <mc:Fallback>
           <p:sp>
             <p:nvSpPr>
               <p:cNvPr id="3" name="Marcador de contenido 2"/>
@@ -13334,7 +13332,7 @@
               <a:blipFill>
                 <a:blip r:embed="rId2"/>
                 <a:stretch>
-                  <a:fillRect l="-293" t="-1101" r="-1466"/>
+                  <a:fillRect l="-293" t="-1101" r="-1271"/>
                 </a:stretch>
               </a:blipFill>
             </p:spPr>
